--- a/ppt/lecture_6.pptx
+++ b/ppt/lecture_6.pptx
@@ -153,7 +153,7 @@
   </p:defaultTextStyle>
   <p:extLst>
     <p:ext uri="{EFAFB233-063F-42B5-8137-9DF3F51BA10A}">
-      <p15:sldGuideLst xmlns:p15="http://schemas.microsoft.com/office/powerpoint/2012/main" xmlns="">
+      <p15:sldGuideLst xmlns:p15="http://schemas.microsoft.com/office/powerpoint/2012/main">
         <p15:guide id="1" orient="horz" pos="2160">
           <p15:clr>
             <a:srgbClr val="A4A3A4"/>
@@ -350,7 +350,7 @@
             <a:fld id="{BE51CA39-0188-4816-A2DA-971D0143A733}" type="datetimeFigureOut">
               <a:rPr lang="ko-KR" altLang="en-US" smtClean="0"/>
               <a:pPr/>
-              <a:t>2016-12-21</a:t>
+              <a:t>2016. 12. 29.</a:t>
             </a:fld>
             <a:endParaRPr lang="ko-KR" altLang="en-US"/>
           </a:p>
@@ -622,7 +622,7 @@
             <a:fld id="{BE51CA39-0188-4816-A2DA-971D0143A733}" type="datetimeFigureOut">
               <a:rPr lang="ko-KR" altLang="en-US" smtClean="0"/>
               <a:pPr/>
-              <a:t>2016-12-21</a:t>
+              <a:t>2016. 12. 29.</a:t>
             </a:fld>
             <a:endParaRPr lang="ko-KR" altLang="en-US"/>
           </a:p>
@@ -871,7 +871,7 @@
             <a:fld id="{BE51CA39-0188-4816-A2DA-971D0143A733}" type="datetimeFigureOut">
               <a:rPr lang="ko-KR" altLang="en-US" smtClean="0"/>
               <a:pPr/>
-              <a:t>2016-12-21</a:t>
+              <a:t>2016. 12. 29.</a:t>
             </a:fld>
             <a:endParaRPr lang="ko-KR" altLang="en-US"/>
           </a:p>
@@ -1036,7 +1036,7 @@
             <a:fld id="{BE51CA39-0188-4816-A2DA-971D0143A733}" type="datetimeFigureOut">
               <a:rPr lang="ko-KR" altLang="en-US" smtClean="0"/>
               <a:pPr/>
-              <a:t>2016-12-21</a:t>
+              <a:t>2016. 12. 29.</a:t>
             </a:fld>
             <a:endParaRPr lang="ko-KR" altLang="en-US"/>
           </a:p>
@@ -1211,7 +1211,7 @@
             <a:fld id="{BE51CA39-0188-4816-A2DA-971D0143A733}" type="datetimeFigureOut">
               <a:rPr lang="ko-KR" altLang="en-US" smtClean="0"/>
               <a:pPr/>
-              <a:t>2016-12-21</a:t>
+              <a:t>2016. 12. 29.</a:t>
             </a:fld>
             <a:endParaRPr lang="ko-KR" altLang="en-US"/>
           </a:p>
@@ -1376,7 +1376,7 @@
             <a:fld id="{BE51CA39-0188-4816-A2DA-971D0143A733}" type="datetimeFigureOut">
               <a:rPr lang="ko-KR" altLang="en-US" smtClean="0"/>
               <a:pPr/>
-              <a:t>2016-12-21</a:t>
+              <a:t>2016. 12. 29.</a:t>
             </a:fld>
             <a:endParaRPr lang="ko-KR" altLang="en-US"/>
           </a:p>
@@ -1469,7 +1469,7 @@
             </a:duotone>
             <a:extLst>
               <a:ext uri="{28A0092B-C50C-407E-A947-70E740481C1C}">
-                <a14:useLocalDpi xmlns:a14="http://schemas.microsoft.com/office/drawing/2010/main" xmlns="" val="0"/>
+                <a14:useLocalDpi xmlns:a14="http://schemas.microsoft.com/office/drawing/2010/main" val="0"/>
               </a:ext>
             </a:extLst>
           </a:blip>
@@ -1489,7 +1489,7 @@
           <a:noFill/>
           <a:extLst>
             <a:ext uri="{909E8E84-426E-40DD-AFC4-6F175D3DCCD1}">
-              <a14:hiddenFill xmlns:a14="http://schemas.microsoft.com/office/drawing/2010/main" xmlns="">
+              <a14:hiddenFill xmlns:a14="http://schemas.microsoft.com/office/drawing/2010/main">
                 <a:solidFill>
                   <a:srgbClr val="FFFFFF"/>
                 </a:solidFill>
@@ -1525,7 +1525,7 @@
             <a:fld id="{BE51CA39-0188-4816-A2DA-971D0143A733}" type="datetimeFigureOut">
               <a:rPr lang="ko-KR" altLang="en-US" smtClean="0"/>
               <a:pPr/>
-              <a:t>2016-12-21</a:t>
+              <a:t>2016. 12. 29.</a:t>
             </a:fld>
             <a:endParaRPr lang="ko-KR" altLang="en-US"/>
           </a:p>
@@ -1674,7 +1674,7 @@
           <a:blip r:embed="rId3" cstate="print">
             <a:extLst>
               <a:ext uri="{28A0092B-C50C-407E-A947-70E740481C1C}">
-                <a14:useLocalDpi xmlns:a14="http://schemas.microsoft.com/office/drawing/2010/main" xmlns="" val="0"/>
+                <a14:useLocalDpi xmlns:a14="http://schemas.microsoft.com/office/drawing/2010/main" val="0"/>
               </a:ext>
             </a:extLst>
           </a:blip>
@@ -1813,7 +1813,7 @@
             <a:fld id="{BE51CA39-0188-4816-A2DA-971D0143A733}" type="datetimeFigureOut">
               <a:rPr lang="ko-KR" altLang="en-US" smtClean="0"/>
               <a:pPr/>
-              <a:t>2016-12-21</a:t>
+              <a:t>2016. 12. 29.</a:t>
             </a:fld>
             <a:endParaRPr lang="ko-KR" altLang="en-US"/>
           </a:p>
@@ -1865,7 +1865,7 @@
     </p:spTree>
     <p:extLst>
       <p:ext uri="{BB962C8B-B14F-4D97-AF65-F5344CB8AC3E}">
-        <p14:creationId xmlns:p14="http://schemas.microsoft.com/office/powerpoint/2010/main" xmlns="" val="35203605"/>
+        <p14:creationId xmlns:p14="http://schemas.microsoft.com/office/powerpoint/2010/main" val="35203605"/>
       </p:ext>
     </p:extLst>
   </p:cSld>
@@ -1960,7 +1960,7 @@
     </p:spTree>
     <p:extLst>
       <p:ext uri="{BB962C8B-B14F-4D97-AF65-F5344CB8AC3E}">
-        <p14:creationId xmlns:p14="http://schemas.microsoft.com/office/powerpoint/2010/main" xmlns="" val="2226067927"/>
+        <p14:creationId xmlns:p14="http://schemas.microsoft.com/office/powerpoint/2010/main" val="2226067927"/>
       </p:ext>
     </p:extLst>
   </p:cSld>
@@ -2195,7 +2195,7 @@
             <a:fld id="{BE51CA39-0188-4816-A2DA-971D0143A733}" type="datetimeFigureOut">
               <a:rPr lang="ko-KR" altLang="en-US" smtClean="0"/>
               <a:pPr/>
-              <a:t>2016-12-21</a:t>
+              <a:t>2016. 12. 29.</a:t>
             </a:fld>
             <a:endParaRPr lang="ko-KR" altLang="en-US"/>
           </a:p>
@@ -2611,7 +2611,7 @@
             <a:fld id="{BE51CA39-0188-4816-A2DA-971D0143A733}" type="datetimeFigureOut">
               <a:rPr lang="ko-KR" altLang="en-US" smtClean="0"/>
               <a:pPr/>
-              <a:t>2016-12-21</a:t>
+              <a:t>2016. 12. 29.</a:t>
             </a:fld>
             <a:endParaRPr lang="ko-KR" altLang="en-US"/>
           </a:p>
@@ -2725,7 +2725,7 @@
             <a:fld id="{BE51CA39-0188-4816-A2DA-971D0143A733}" type="datetimeFigureOut">
               <a:rPr lang="ko-KR" altLang="en-US" smtClean="0"/>
               <a:pPr/>
-              <a:t>2016-12-21</a:t>
+              <a:t>2016. 12. 29.</a:t>
             </a:fld>
             <a:endParaRPr lang="ko-KR" altLang="en-US"/>
           </a:p>
@@ -2817,7 +2817,7 @@
             <a:fld id="{BE51CA39-0188-4816-A2DA-971D0143A733}" type="datetimeFigureOut">
               <a:rPr lang="ko-KR" altLang="en-US" smtClean="0"/>
               <a:pPr/>
-              <a:t>2016-12-21</a:t>
+              <a:t>2016. 12. 29.</a:t>
             </a:fld>
             <a:endParaRPr lang="ko-KR" altLang="en-US"/>
           </a:p>
@@ -3025,7 +3025,7 @@
             <a:fld id="{BE51CA39-0188-4816-A2DA-971D0143A733}" type="datetimeFigureOut">
               <a:rPr lang="ko-KR" altLang="en-US" smtClean="0"/>
               <a:pPr/>
-              <a:t>2016-12-21</a:t>
+              <a:t>2016. 12. 29.</a:t>
             </a:fld>
             <a:endParaRPr lang="ko-KR" altLang="en-US"/>
           </a:p>
@@ -3443,7 +3443,7 @@
           <a:blip r:embed="rId2" cstate="print">
             <a:extLst>
               <a:ext uri="{28A0092B-C50C-407E-A947-70E740481C1C}">
-                <a14:useLocalDpi xmlns:a14="http://schemas.microsoft.com/office/drawing/2010/main" xmlns="" val="0"/>
+                <a14:useLocalDpi xmlns:a14="http://schemas.microsoft.com/office/drawing/2010/main" val="0"/>
               </a:ext>
             </a:extLst>
           </a:blip>
@@ -3463,7 +3463,7 @@
           <a:noFill/>
           <a:extLst>
             <a:ext uri="{909E8E84-426E-40DD-AFC4-6F175D3DCCD1}">
-              <a14:hiddenFill xmlns:a14="http://schemas.microsoft.com/office/drawing/2010/main" xmlns="">
+              <a14:hiddenFill xmlns:a14="http://schemas.microsoft.com/office/drawing/2010/main">
                 <a:solidFill>
                   <a:srgbClr val="FFFFFF"/>
                 </a:solidFill>
@@ -3931,7 +3931,7 @@
           </a:effectLst>
           <a:extLst>
             <a:ext uri="{C572A759-6A51-4108-AA02-DFA0A04FC94B}">
-              <ma14:wrappingTextBoxFlag xmlns:ma14="http://schemas.microsoft.com/office/mac/drawingml/2011/main" xmlns="" val="1"/>
+              <ma14:wrappingTextBoxFlag xmlns:ma14="http://schemas.microsoft.com/office/mac/drawingml/2011/main" val="1"/>
             </a:ext>
           </a:extLst>
         </p:spPr>
@@ -5540,7 +5540,6 @@
               <a:rPr lang="en-US" altLang="ko-KR" sz="2000" dirty="0" smtClean="0"/>
               <a:t> )</a:t>
             </a:r>
-            <a:endParaRPr lang="en-US" altLang="ko-KR" sz="2000" dirty="0" smtClean="0"/>
           </a:p>
           <a:p>
             <a:pPr marL="457200" indent="-457200">
@@ -5569,7 +5568,6 @@
               <a:rPr lang="en-US" altLang="ko-KR" sz="2000" dirty="0" smtClean="0"/>
               <a:t> )</a:t>
             </a:r>
-            <a:endParaRPr lang="en-US" altLang="ko-KR" sz="2000" dirty="0" smtClean="0"/>
           </a:p>
           <a:p>
             <a:pPr marL="457200" indent="-457200">
@@ -5602,7 +5600,6 @@
               <a:rPr lang="en-US" altLang="ko-KR" sz="2000" dirty="0" smtClean="0"/>
               <a:t> )</a:t>
             </a:r>
-            <a:endParaRPr lang="en-US" altLang="ko-KR" sz="2000" dirty="0" smtClean="0"/>
           </a:p>
           <a:p>
             <a:pPr marL="457200" indent="-457200">
@@ -5629,11 +5626,7 @@
             </a:r>
             <a:r>
               <a:rPr lang="en-US" altLang="ko-KR" sz="2000" dirty="0" smtClean="0"/>
-              <a:t> </a:t>
-            </a:r>
-            <a:r>
-              <a:rPr lang="en-US" altLang="ko-KR" sz="2000" dirty="0" smtClean="0"/>
-              <a:t>)</a:t>
+              <a:t> )</a:t>
             </a:r>
           </a:p>
           <a:p>
@@ -7173,11 +7166,7 @@
             </a:r>
             <a:r>
               <a:rPr lang="ko-KR" altLang="en-US" sz="2700" dirty="0" smtClean="0"/>
-              <a:t>필드로 </a:t>
-            </a:r>
-            <a:r>
-              <a:rPr lang="ko-KR" altLang="en-US" sz="2700" dirty="0" smtClean="0"/>
-              <a:t>저장</a:t>
+              <a:t>필드로 저장</a:t>
             </a:r>
             <a:endParaRPr lang="en-US" altLang="ko-KR" sz="2700" dirty="0" smtClean="0"/>
           </a:p>
@@ -7416,7 +7405,6 @@
               <a:rPr lang="en-US" altLang="ko-KR" sz="2700" dirty="0" smtClean="0"/>
               <a:t> )</a:t>
             </a:r>
-            <a:endParaRPr lang="en-US" altLang="ko-KR" sz="2700" dirty="0" smtClean="0"/>
           </a:p>
         </p:txBody>
       </p:sp>
@@ -7528,11 +7516,7 @@
             </a:r>
             <a:r>
               <a:rPr lang="ko-KR" altLang="en-US" dirty="0" smtClean="0"/>
-              <a:t>삭</a:t>
-            </a:r>
-            <a:r>
-              <a:rPr lang="ko-KR" altLang="en-US" dirty="0" smtClean="0"/>
-              <a:t>제</a:t>
+              <a:t>삭제</a:t>
             </a:r>
             <a:r>
               <a:rPr lang="en-US" altLang="ko-KR" dirty="0" smtClean="0"/>
@@ -7709,11 +7693,7 @@
             </a:r>
             <a:r>
               <a:rPr lang="ko-KR" altLang="en-US" dirty="0" smtClean="0"/>
-              <a:t> </a:t>
-            </a:r>
-            <a:r>
-              <a:rPr lang="ko-KR" altLang="en-US" dirty="0" smtClean="0"/>
-              <a:t>구현</a:t>
+              <a:t> 구현</a:t>
             </a:r>
             <a:endParaRPr lang="en-US" altLang="ko-KR" dirty="0" smtClean="0"/>
           </a:p>
@@ -7722,7 +7702,6 @@
               <a:rPr lang="en-US" altLang="ko-KR" dirty="0" smtClean="0"/>
               <a:t>XSS, CSRF</a:t>
             </a:r>
-            <a:endParaRPr lang="en-US" altLang="ko-KR" dirty="0" smtClean="0"/>
           </a:p>
           <a:p>
             <a:r>
@@ -7884,11 +7863,7 @@
             </a:pPr>
             <a:r>
               <a:rPr lang="en-US" sz="2000" dirty="0" smtClean="0"/>
-              <a:t>Cross Site </a:t>
-            </a:r>
-            <a:r>
-              <a:rPr lang="en-US" sz="2000" dirty="0" smtClean="0"/>
-              <a:t>Scripting </a:t>
+              <a:t>Cross Site Scripting </a:t>
             </a:r>
             <a:r>
               <a:rPr lang="ko-KR" altLang="en-US" sz="2000" dirty="0" smtClean="0"/>
@@ -8178,7 +8153,6 @@
               <a:rPr lang="en-US" sz="2000" dirty="0" smtClean="0"/>
               <a:t>;…. </a:t>
             </a:r>
-            <a:endParaRPr lang="en-US" sz="2000" dirty="0" smtClean="0"/>
           </a:p>
           <a:p>
             <a:endParaRPr lang="en-US" sz="2000" dirty="0" smtClean="0"/>
@@ -8360,11 +8334,7 @@
             <a:pPr fontAlgn="base"/>
             <a:r>
               <a:rPr lang="en-US" sz="2000" dirty="0" smtClean="0"/>
-              <a:t>console.log(html</a:t>
-            </a:r>
-            <a:r>
-              <a:rPr lang="en-US" sz="2000" dirty="0" smtClean="0"/>
-              <a:t>);</a:t>
+              <a:t>console.log(html);</a:t>
             </a:r>
           </a:p>
           <a:p>
@@ -8782,11 +8752,7 @@
             </a:r>
             <a:r>
               <a:rPr lang="de-DE" sz="2000" dirty="0" smtClean="0"/>
-              <a:t> src= "https://travel.service.com/travel_update?.src=Korea&amp;.dst=Hell</a:t>
-            </a:r>
-            <a:r>
-              <a:rPr lang="de-DE" sz="2000" dirty="0" smtClean="0"/>
-              <a:t>"&gt;</a:t>
+              <a:t> src= "https://travel.service.com/travel_update?.src=Korea&amp;.dst=Hell"&gt;</a:t>
             </a:r>
           </a:p>
           <a:p>
@@ -8899,11 +8865,7 @@
             </a:pPr>
             <a:r>
               <a:rPr lang="en-US" altLang="ko-KR" sz="2000" dirty="0" smtClean="0"/>
-              <a:t>&lt;</a:t>
-            </a:r>
-            <a:r>
-              <a:rPr lang="en-US" altLang="ko-KR" sz="2000" dirty="0" smtClean="0"/>
-              <a:t>form action="http://test.website.co.kr/posts/write" method="post"&gt;</a:t>
+              <a:t>&lt;form action="http://test.website.co.kr/posts/write" method="post"&gt;</a:t>
             </a:r>
           </a:p>
           <a:p>
@@ -8946,11 +8908,7 @@
             </a:pPr>
             <a:r>
               <a:rPr lang="en-US" altLang="ko-KR" sz="2000" dirty="0" smtClean="0"/>
-              <a:t>&lt;/form</a:t>
-            </a:r>
-            <a:r>
-              <a:rPr lang="en-US" altLang="ko-KR" sz="2000" dirty="0" smtClean="0"/>
-              <a:t>&gt;</a:t>
+              <a:t>&lt;/form&gt;</a:t>
             </a:r>
           </a:p>
           <a:p>
@@ -9529,11 +9487,7 @@
             </a:r>
             <a:r>
               <a:rPr lang="ko-KR" altLang="en-US" sz="2000" dirty="0" smtClean="0"/>
-              <a:t> 아래와 같은 토큰발</a:t>
-            </a:r>
-            <a:r>
-              <a:rPr lang="ko-KR" altLang="en-US" sz="2000" dirty="0" smtClean="0"/>
-              <a:t>행</a:t>
+              <a:t> 아래와 같은 토큰발행</a:t>
             </a:r>
             <a:endParaRPr lang="en-US" altLang="ko-KR" sz="2000" dirty="0" smtClean="0"/>
           </a:p>
@@ -9543,11 +9497,7 @@
             </a:pPr>
             <a:r>
               <a:rPr lang="en-US" altLang="ko-KR" sz="2000" dirty="0" smtClean="0"/>
-              <a:t>&lt;form&gt;&lt;</a:t>
-            </a:r>
-            <a:r>
-              <a:rPr lang="en-US" altLang="ko-KR" sz="2000" dirty="0" smtClean="0"/>
-              <a:t>input type="hidden" name="_</a:t>
+              <a:t>&lt;form&gt;&lt;input type="hidden" name="_</a:t>
             </a:r>
             <a:r>
               <a:rPr lang="en-US" altLang="ko-KR" sz="2000" dirty="0" err="1" smtClean="0"/>
@@ -9555,11 +9505,7 @@
             </a:r>
             <a:r>
               <a:rPr lang="en-US" altLang="ko-KR" sz="2000" dirty="0" smtClean="0"/>
-              <a:t>" value</a:t>
-            </a:r>
-            <a:r>
-              <a:rPr lang="en-US" altLang="ko-KR" sz="2000" dirty="0" smtClean="0"/>
-              <a:t>="</a:t>
+              <a:t>" value="</a:t>
             </a:r>
             <a:r>
               <a:rPr lang="en-US" altLang="ko-KR" sz="2000" dirty="0" smtClean="0">
@@ -9573,7 +9519,6 @@
               <a:rPr lang="en-US" altLang="ko-KR" sz="2000" dirty="0" smtClean="0"/>
               <a:t>"&gt;&lt;/form&gt;</a:t>
             </a:r>
-            <a:endParaRPr lang="en-US" altLang="ko-KR" sz="2000" dirty="0" smtClean="0"/>
           </a:p>
           <a:p>
             <a:endParaRPr lang="en-US" altLang="ko-KR" dirty="0" smtClean="0"/>
@@ -9600,11 +9545,7 @@
             </a:r>
             <a:r>
               <a:rPr lang="en-US" altLang="ko-KR" sz="2000" dirty="0" smtClean="0"/>
-              <a:t> !</a:t>
-            </a:r>
-            <a:r>
-              <a:rPr lang="en-US" altLang="ko-KR" sz="2000" dirty="0" smtClean="0"/>
-              <a:t>==</a:t>
+              <a:t> !==</a:t>
             </a:r>
             <a:r>
               <a:rPr lang="en-US" altLang="ko-KR" sz="2000" dirty="0" err="1" smtClean="0"/>
@@ -10422,12 +10363,12 @@
               <a:t>스키마 내부 </a:t>
             </a:r>
             <a:r>
-              <a:rPr lang="ko-KR" altLang="en-US" sz="2700" dirty="0" err="1" smtClean="0"/>
-              <a:t>필드명으로</a:t>
-            </a:r>
-            <a:r>
-              <a:rPr lang="ko-KR" altLang="en-US" sz="2700" dirty="0" smtClean="0"/>
-              <a:t> 작성</a:t>
+              <a:rPr lang="ko-KR" altLang="en-US" sz="2700" smtClean="0"/>
+              <a:t>필드명으로 </a:t>
+            </a:r>
+            <a:r>
+              <a:rPr lang="ko-KR" altLang="en-US" sz="2700" smtClean="0"/>
+              <a:t>작성</a:t>
             </a:r>
             <a:endParaRPr lang="en-US" altLang="ko-KR" sz="2700" dirty="0" smtClean="0"/>
           </a:p>
@@ -10553,11 +10494,7 @@
             </a:r>
             <a:r>
               <a:rPr lang="ko-KR" altLang="en-US" dirty="0" smtClean="0"/>
-              <a:t> </a:t>
-            </a:r>
-            <a:r>
-              <a:rPr lang="ko-KR" altLang="en-US" dirty="0" smtClean="0"/>
-              <a:t>작성</a:t>
+              <a:t> 작성</a:t>
             </a:r>
             <a:endParaRPr lang="en-US" altLang="ko-KR" dirty="0" smtClean="0"/>
           </a:p>
@@ -10694,13 +10631,7 @@
               <a:rPr lang="en-US" altLang="ko-KR" sz="2000" dirty="0" smtClean="0">
                 <a:hlinkClick r:id="rId2"/>
               </a:rPr>
-              <a:t>http</a:t>
-            </a:r>
-            <a:r>
-              <a:rPr lang="en-US" altLang="ko-KR" sz="2000" dirty="0" smtClean="0">
-                <a:hlinkClick r:id="rId2"/>
-              </a:rPr>
-              <a:t>://nodejs.agcweb.co.kr/mongoose-validation-2/</a:t>
+              <a:t>http://nodejs.agcweb.co.kr/mongoose-validation-2/</a:t>
             </a:r>
             <a:endParaRPr lang="en-US" altLang="ko-KR" sz="2000" dirty="0" smtClean="0"/>
           </a:p>
@@ -10844,13 +10775,8 @@
             </a:r>
             <a:r>
               <a:rPr lang="en-US" altLang="ko-KR" sz="2000" dirty="0" smtClean="0"/>
-              <a:t>('title').validate(function (value) </a:t>
-            </a:r>
-            <a:r>
-              <a:rPr lang="en-US" altLang="ko-KR" sz="2000" dirty="0" smtClean="0"/>
-              <a:t>{</a:t>
-            </a:r>
-            <a:endParaRPr lang="en-US" altLang="ko-KR" sz="2000" dirty="0" smtClean="0"/>
+              <a:t>('title').validate(function (value) {</a:t>
+            </a:r>
           </a:p>
           <a:p>
             <a:pPr>
@@ -10866,13 +10792,8 @@
             </a:r>
             <a:r>
               <a:rPr lang="en-US" altLang="ko-KR" sz="2000" dirty="0" smtClean="0"/>
-              <a:t> &lt; 10</a:t>
-            </a:r>
-            <a:r>
-              <a:rPr lang="en-US" altLang="ko-KR" sz="2000" dirty="0" smtClean="0"/>
-              <a:t>;</a:t>
-            </a:r>
-            <a:endParaRPr lang="en-US" altLang="ko-KR" sz="2000" dirty="0" smtClean="0"/>
+              <a:t> &lt; 10;</a:t>
+            </a:r>
           </a:p>
           <a:p>
             <a:pPr>
@@ -10890,7 +10811,6 @@
               <a:rPr lang="en-US" altLang="ko-KR" sz="2000" dirty="0" smtClean="0"/>
               <a:t>'); </a:t>
             </a:r>
-            <a:endParaRPr lang="en-US" altLang="ko-KR" sz="2000" dirty="0" smtClean="0"/>
           </a:p>
           <a:p>
             <a:pPr>
@@ -11274,11 +11194,7 @@
             </a:pPr>
             <a:r>
               <a:rPr lang="en-US" altLang="ko-KR" dirty="0" smtClean="0"/>
-              <a:t>    </a:t>
-            </a:r>
-            <a:r>
-              <a:rPr lang="en-US" altLang="ko-KR" dirty="0" smtClean="0"/>
-              <a:t>//</a:t>
+              <a:t>    //</a:t>
             </a:r>
             <a:r>
               <a:rPr lang="ko-KR" altLang="en-US" dirty="0" smtClean="0"/>
@@ -11292,11 +11208,7 @@
             </a:pPr>
             <a:r>
               <a:rPr lang="en-US" altLang="ko-KR" dirty="0" smtClean="0"/>
-              <a:t>}else</a:t>
-            </a:r>
-            <a:r>
-              <a:rPr lang="en-US" altLang="ko-KR" dirty="0" smtClean="0"/>
-              <a:t>{</a:t>
+              <a:t>}else{</a:t>
             </a:r>
           </a:p>
           <a:p>
@@ -11338,13 +11250,7 @@
               <a:rPr lang="en-US" altLang="ko-KR" dirty="0" smtClean="0">
                 <a:hlinkClick r:id="rId2"/>
               </a:rPr>
-              <a:t>http</a:t>
-            </a:r>
-            <a:r>
-              <a:rPr lang="en-US" altLang="ko-KR" dirty="0" smtClean="0">
-                <a:hlinkClick r:id="rId2"/>
-              </a:rPr>
-              <a:t>://nodejs.agcweb.co.kr/mongoose-validation-router/</a:t>
+              <a:t>http://nodejs.agcweb.co.kr/mongoose-validation-router/</a:t>
             </a:r>
             <a:endParaRPr lang="ko-KR" altLang="en-US" dirty="0"/>
           </a:p>
@@ -11919,7 +11825,7 @@
           </a:effectLst>
           <a:extLst>
             <a:ext uri="{C572A759-6A51-4108-AA02-DFA0A04FC94B}">
-              <ma14:wrappingTextBoxFlag xmlns:ma14="http://schemas.microsoft.com/office/mac/drawingml/2011/main" xmlns="" val="1"/>
+              <ma14:wrappingTextBoxFlag xmlns:ma14="http://schemas.microsoft.com/office/mac/drawingml/2011/main" val="1"/>
             </a:ext>
           </a:extLst>
         </p:spPr>
@@ -12026,7 +11932,7 @@
           </a:ln>
           <a:extLst>
             <a:ext uri="{C572A759-6A51-4108-AA02-DFA0A04FC94B}">
-              <ma14:wrappingTextBoxFlag xmlns:ma14="http://schemas.microsoft.com/office/mac/drawingml/2011/main" xmlns="" val="1"/>
+              <ma14:wrappingTextBoxFlag xmlns:ma14="http://schemas.microsoft.com/office/mac/drawingml/2011/main" val="1"/>
             </a:ext>
           </a:extLst>
         </p:spPr>
@@ -12068,7 +11974,7 @@
           </a:ln>
           <a:extLst>
             <a:ext uri="{C572A759-6A51-4108-AA02-DFA0A04FC94B}">
-              <ma14:wrappingTextBoxFlag xmlns:ma14="http://schemas.microsoft.com/office/mac/drawingml/2011/main" xmlns="" val="1"/>
+              <ma14:wrappingTextBoxFlag xmlns:ma14="http://schemas.microsoft.com/office/mac/drawingml/2011/main" val="1"/>
             </a:ext>
           </a:extLst>
         </p:spPr>
